--- a/Документы/Б9121-09.03.03пикд_Панкратова_презентация.pptx
+++ b/Документы/Б9121-09.03.03пикд_Панкратова_презентация.pptx
@@ -5,7 +5,7 @@
     <p:sldMasterId id="2147483648" r:id="rId1"/>
   </p:sldMasterIdLst>
   <p:notesMasterIdLst>
-    <p:notesMasterId r:id="rId14"/>
+    <p:notesMasterId r:id="rId16"/>
   </p:notesMasterIdLst>
   <p:sldIdLst>
     <p:sldId id="256" r:id="rId2"/>
@@ -18,8 +18,10 @@
     <p:sldId id="289" r:id="rId9"/>
     <p:sldId id="290" r:id="rId10"/>
     <p:sldId id="291" r:id="rId11"/>
-    <p:sldId id="281" r:id="rId12"/>
-    <p:sldId id="282" r:id="rId13"/>
+    <p:sldId id="294" r:id="rId12"/>
+    <p:sldId id="281" r:id="rId13"/>
+    <p:sldId id="293" r:id="rId14"/>
+    <p:sldId id="282" r:id="rId15"/>
   </p:sldIdLst>
   <p:sldSz cx="12192000" cy="6858000"/>
   <p:notesSz cx="6858000" cy="9144000"/>
@@ -208,7 +210,7 @@
           <a:p>
             <a:fld id="{61615DBC-8FA8-440D-A05A-64361FE5AA84}" type="datetimeFigureOut">
               <a:rPr lang="ru-RU" smtClean="0"/>
-              <a:t>25.01.2023</a:t>
+              <a:t>13.02.2023</a:t>
             </a:fld>
             <a:endParaRPr lang="ru-RU"/>
           </a:p>
@@ -622,7 +624,7 @@
           <a:p>
             <a:fld id="{37CCAC0B-1F38-4361-A946-1E2304236A12}" type="datetime1">
               <a:rPr lang="ru-RU" smtClean="0"/>
-              <a:t>25.01.2023</a:t>
+              <a:t>13.02.2023</a:t>
             </a:fld>
             <a:endParaRPr lang="ru-RU"/>
           </a:p>
@@ -820,7 +822,7 @@
           <a:p>
             <a:fld id="{E3FD6852-0CFD-42D4-B932-ED8111780B1E}" type="datetime1">
               <a:rPr lang="ru-RU" smtClean="0"/>
-              <a:t>25.01.2023</a:t>
+              <a:t>13.02.2023</a:t>
             </a:fld>
             <a:endParaRPr lang="ru-RU"/>
           </a:p>
@@ -1028,7 +1030,7 @@
           <a:p>
             <a:fld id="{156C428A-6C06-46BA-A566-2D23A1C2FECE}" type="datetime1">
               <a:rPr lang="ru-RU" smtClean="0"/>
-              <a:t>25.01.2023</a:t>
+              <a:t>13.02.2023</a:t>
             </a:fld>
             <a:endParaRPr lang="ru-RU"/>
           </a:p>
@@ -1226,7 +1228,7 @@
           <a:p>
             <a:fld id="{CA428AC8-16E2-4567-B41C-1E3A572AF700}" type="datetime1">
               <a:rPr lang="ru-RU" smtClean="0"/>
-              <a:t>25.01.2023</a:t>
+              <a:t>13.02.2023</a:t>
             </a:fld>
             <a:endParaRPr lang="ru-RU"/>
           </a:p>
@@ -1501,7 +1503,7 @@
           <a:p>
             <a:fld id="{50F469D2-E168-4DF6-985A-7EF959A5A052}" type="datetime1">
               <a:rPr lang="ru-RU" smtClean="0"/>
-              <a:t>25.01.2023</a:t>
+              <a:t>13.02.2023</a:t>
             </a:fld>
             <a:endParaRPr lang="ru-RU"/>
           </a:p>
@@ -1766,7 +1768,7 @@
           <a:p>
             <a:fld id="{47AFF362-18F7-4968-889E-0DA6C8F4BE66}" type="datetime1">
               <a:rPr lang="ru-RU" smtClean="0"/>
-              <a:t>25.01.2023</a:t>
+              <a:t>13.02.2023</a:t>
             </a:fld>
             <a:endParaRPr lang="ru-RU"/>
           </a:p>
@@ -2178,7 +2180,7 @@
           <a:p>
             <a:fld id="{5BBBA997-4988-49AF-9896-5F612917F55F}" type="datetime1">
               <a:rPr lang="ru-RU" smtClean="0"/>
-              <a:t>25.01.2023</a:t>
+              <a:t>13.02.2023</a:t>
             </a:fld>
             <a:endParaRPr lang="ru-RU"/>
           </a:p>
@@ -2319,7 +2321,7 @@
           <a:p>
             <a:fld id="{045AF945-8768-4B83-8AC2-373D20959CBC}" type="datetime1">
               <a:rPr lang="ru-RU" smtClean="0"/>
-              <a:t>25.01.2023</a:t>
+              <a:t>13.02.2023</a:t>
             </a:fld>
             <a:endParaRPr lang="ru-RU"/>
           </a:p>
@@ -2432,7 +2434,7 @@
           <a:p>
             <a:fld id="{2E0A1430-60F6-470F-82FE-19E168F002E6}" type="datetime1">
               <a:rPr lang="ru-RU" smtClean="0"/>
-              <a:t>25.01.2023</a:t>
+              <a:t>13.02.2023</a:t>
             </a:fld>
             <a:endParaRPr lang="ru-RU"/>
           </a:p>
@@ -2743,7 +2745,7 @@
           <a:p>
             <a:fld id="{F93941A2-2113-433E-B874-C611A3DDCF2A}" type="datetime1">
               <a:rPr lang="ru-RU" smtClean="0"/>
-              <a:t>25.01.2023</a:t>
+              <a:t>13.02.2023</a:t>
             </a:fld>
             <a:endParaRPr lang="ru-RU"/>
           </a:p>
@@ -3031,7 +3033,7 @@
           <a:p>
             <a:fld id="{73C89677-65C4-4327-B106-1C614B769B3B}" type="datetime1">
               <a:rPr lang="ru-RU" smtClean="0"/>
-              <a:t>25.01.2023</a:t>
+              <a:t>13.02.2023</a:t>
             </a:fld>
             <a:endParaRPr lang="ru-RU"/>
           </a:p>
@@ -3272,7 +3274,7 @@
           <a:p>
             <a:fld id="{86D9C6AA-DD31-4A4A-9DEE-AA75F693DFD5}" type="datetime1">
               <a:rPr lang="ru-RU" smtClean="0"/>
-              <a:t>25.01.2023</a:t>
+              <a:t>13.02.2023</a:t>
             </a:fld>
             <a:endParaRPr lang="ru-RU"/>
           </a:p>
@@ -3725,7 +3727,7 @@
             </a:br>
             <a:r>
               <a:rPr lang="ru-RU" dirty="0"/>
-              <a:t>Сравнение сбалансированных деревьев: </a:t>
+              <a:t>Сбалансированные деревья: </a:t>
             </a:r>
             <a:r>
               <a:rPr lang="en-US" dirty="0"/>
@@ -3921,7 +3923,15 @@
           <a:p>
             <a:r>
               <a:rPr lang="en-US" dirty="0"/>
-              <a:t>Splay-tree. Zig-Zag()</a:t>
+              <a:t>Splay-tree. Zig-Zag(x)</a:t>
+            </a:r>
+            <a:r>
+              <a:rPr lang="ru-RU" dirty="0"/>
+              <a:t> </a:t>
+            </a:r>
+            <a:r>
+              <a:rPr lang="ru-RU" sz="2400" dirty="0"/>
+              <a:t>//если х внук корня</a:t>
             </a:r>
             <a:endParaRPr lang="ru-RU" dirty="0"/>
           </a:p>
@@ -4113,7 +4123,7 @@
       </p:pic>
       <p:pic>
         <p:nvPicPr>
-          <p:cNvPr id="29" name="Рисунок 28" descr="Листопадное дерево">
+          <p:cNvPr id="29" name="Рисунок 28" descr="Закрыть">
             <a:extLst>
               <a:ext uri="{FF2B5EF4-FFF2-40B4-BE49-F238E27FC236}">
                 <a16:creationId xmlns:a16="http://schemas.microsoft.com/office/drawing/2014/main" id="{085391B8-AC9A-4F14-9C50-825ABC0246D7}"/>
@@ -4189,7 +4199,7 @@
       </p:pic>
       <p:pic>
         <p:nvPicPr>
-          <p:cNvPr id="31" name="Рисунок 30" descr="Листопадное дерево">
+          <p:cNvPr id="31" name="Рисунок 30" descr="Закрыть">
             <a:extLst>
               <a:ext uri="{FF2B5EF4-FFF2-40B4-BE49-F238E27FC236}">
                 <a16:creationId xmlns:a16="http://schemas.microsoft.com/office/drawing/2014/main" id="{BA7157EC-E673-4449-9B51-D5FE469B3896}"/>
@@ -5742,6 +5752,48 @@
           <a:chExt cx="0" cy="0"/>
         </a:xfrm>
       </p:grpSpPr>
+      <p:pic>
+        <p:nvPicPr>
+          <p:cNvPr id="7" name="Рисунок 6">
+            <a:extLst>
+              <a:ext uri="{FF2B5EF4-FFF2-40B4-BE49-F238E27FC236}">
+                <a16:creationId xmlns:a16="http://schemas.microsoft.com/office/drawing/2014/main" id="{CC0A2A0E-5B45-423F-899D-1248974389CB}"/>
+              </a:ext>
+            </a:extLst>
+          </p:cNvPr>
+          <p:cNvPicPr>
+            <a:picLocks noChangeAspect="1"/>
+          </p:cNvPicPr>
+          <p:nvPr/>
+        </p:nvPicPr>
+        <p:blipFill>
+          <a:blip r:embed="rId2">
+            <a:extLst>
+              <a:ext uri="{28A0092B-C50C-407E-A947-70E740481C1C}">
+                <a14:useLocalDpi xmlns:a14="http://schemas.microsoft.com/office/drawing/2010/main" val="0"/>
+              </a:ext>
+            </a:extLst>
+          </a:blip>
+          <a:stretch>
+            <a:fillRect/>
+          </a:stretch>
+        </p:blipFill>
+        <p:spPr>
+          <a:xfrm>
+            <a:off x="6575049" y="136525"/>
+            <a:ext cx="5571533" cy="3720642"/>
+          </a:xfrm>
+          <a:prstGeom prst="ellipse">
+            <a:avLst/>
+          </a:prstGeom>
+          <a:ln>
+            <a:noFill/>
+          </a:ln>
+          <a:effectLst>
+            <a:softEdge rad="112500"/>
+          </a:effectLst>
+        </p:spPr>
+      </p:pic>
       <p:sp>
         <p:nvSpPr>
           <p:cNvPr id="2" name="Заголовок 1">
@@ -5758,65 +5810,22 @@
             <p:ph type="title"/>
           </p:nvPr>
         </p:nvSpPr>
-        <p:spPr/>
+        <p:spPr>
+          <a:xfrm>
+            <a:off x="838200" y="136525"/>
+            <a:ext cx="10515600" cy="643543"/>
+          </a:xfrm>
+        </p:spPr>
         <p:txBody>
-          <a:bodyPr/>
+          <a:bodyPr>
+            <a:normAutofit fontScale="90000"/>
+          </a:bodyPr>
           <a:lstStyle/>
           <a:p>
             <a:r>
               <a:rPr lang="ru-RU" dirty="0"/>
-              <a:t>Реализация и тестирование</a:t>
-            </a:r>
-          </a:p>
-        </p:txBody>
-      </p:sp>
-      <p:sp>
-        <p:nvSpPr>
-          <p:cNvPr id="3" name="Объект 2">
-            <a:extLst>
-              <a:ext uri="{FF2B5EF4-FFF2-40B4-BE49-F238E27FC236}">
-                <a16:creationId xmlns:a16="http://schemas.microsoft.com/office/drawing/2014/main" id="{00E05A85-7187-47EC-ABE2-67376BF673CD}"/>
-              </a:ext>
-            </a:extLst>
-          </p:cNvPr>
-          <p:cNvSpPr>
-            <a:spLocks noGrp="1"/>
-          </p:cNvSpPr>
-          <p:nvPr>
-            <p:ph sz="half" idx="1"/>
-          </p:nvPr>
-        </p:nvSpPr>
-        <p:spPr/>
-        <p:txBody>
-          <a:bodyPr/>
-          <a:lstStyle/>
-          <a:p>
-            <a:endParaRPr lang="ru-RU"/>
-          </a:p>
-        </p:txBody>
-      </p:sp>
-      <p:sp>
-        <p:nvSpPr>
-          <p:cNvPr id="4" name="Объект 3">
-            <a:extLst>
-              <a:ext uri="{FF2B5EF4-FFF2-40B4-BE49-F238E27FC236}">
-                <a16:creationId xmlns:a16="http://schemas.microsoft.com/office/drawing/2014/main" id="{8AFF4D0A-C218-47E3-A900-2192464AD6A1}"/>
-              </a:ext>
-            </a:extLst>
-          </p:cNvPr>
-          <p:cNvSpPr>
-            <a:spLocks noGrp="1"/>
-          </p:cNvSpPr>
-          <p:nvPr>
-            <p:ph sz="half" idx="2"/>
-          </p:nvPr>
-        </p:nvSpPr>
-        <p:spPr/>
-        <p:txBody>
-          <a:bodyPr/>
-          <a:lstStyle/>
-          <a:p>
-            <a:endParaRPr lang="ru-RU"/>
+              <a:t>Реализация</a:t>
+            </a:r>
           </a:p>
         </p:txBody>
       </p:sp>
@@ -5849,10 +5858,252 @@
           </a:p>
         </p:txBody>
       </p:sp>
+      <p:sp>
+        <p:nvSpPr>
+          <p:cNvPr id="4" name="Объект 3">
+            <a:extLst>
+              <a:ext uri="{FF2B5EF4-FFF2-40B4-BE49-F238E27FC236}">
+                <a16:creationId xmlns:a16="http://schemas.microsoft.com/office/drawing/2014/main" id="{11C3E3AC-C49D-4F3F-874D-E2FEDB8EE653}"/>
+              </a:ext>
+            </a:extLst>
+          </p:cNvPr>
+          <p:cNvSpPr>
+            <a:spLocks noGrp="1"/>
+          </p:cNvSpPr>
+          <p:nvPr>
+            <p:ph sz="half" idx="1"/>
+          </p:nvPr>
+        </p:nvSpPr>
+        <p:spPr>
+          <a:xfrm>
+            <a:off x="650449" y="941584"/>
+            <a:ext cx="8710367" cy="5597328"/>
+          </a:xfrm>
+        </p:spPr>
+        <p:txBody>
+          <a:bodyPr>
+            <a:normAutofit/>
+          </a:bodyPr>
+          <a:lstStyle/>
+          <a:p>
+            <a:pPr marL="0" indent="0">
+              <a:lnSpc>
+                <a:spcPct val="100000"/>
+              </a:lnSpc>
+              <a:buNone/>
+            </a:pPr>
+            <a:r>
+              <a:rPr lang="ru-RU" dirty="0"/>
+              <a:t>Для реализации поставленной задачи было создано:</a:t>
+            </a:r>
+          </a:p>
+          <a:p>
+            <a:pPr marL="0" lvl="0" indent="0">
+              <a:lnSpc>
+                <a:spcPct val="100000"/>
+              </a:lnSpc>
+              <a:buNone/>
+            </a:pPr>
+            <a:r>
+              <a:rPr lang="ru-RU" dirty="0"/>
+              <a:t>	Библиотека </a:t>
+            </a:r>
+            <a:r>
+              <a:rPr lang="en-US" dirty="0"/>
+              <a:t>AA-tree</a:t>
+            </a:r>
+            <a:endParaRPr lang="ru-RU" dirty="0"/>
+          </a:p>
+          <a:p>
+            <a:pPr marL="0" lvl="0" indent="0">
+              <a:lnSpc>
+                <a:spcPct val="100000"/>
+              </a:lnSpc>
+              <a:buNone/>
+            </a:pPr>
+            <a:r>
+              <a:rPr lang="ru-RU" dirty="0"/>
+              <a:t>	Библиотека </a:t>
+            </a:r>
+            <a:r>
+              <a:rPr lang="en-US" dirty="0"/>
+              <a:t>Splay-tree</a:t>
+            </a:r>
+            <a:endParaRPr lang="ru-RU" dirty="0"/>
+          </a:p>
+          <a:p>
+            <a:pPr marL="0" lvl="0" indent="0">
+              <a:lnSpc>
+                <a:spcPct val="100000"/>
+              </a:lnSpc>
+              <a:buNone/>
+            </a:pPr>
+            <a:r>
+              <a:rPr lang="ru-RU" dirty="0"/>
+              <a:t>	Тестирование</a:t>
+            </a:r>
+          </a:p>
+          <a:p>
+            <a:pPr marL="0" indent="0">
+              <a:lnSpc>
+                <a:spcPct val="100000"/>
+              </a:lnSpc>
+              <a:buNone/>
+            </a:pPr>
+            <a:r>
+              <a:rPr lang="ru-RU" dirty="0"/>
+              <a:t>Обе библиотеки имеют следующие публичные методы:</a:t>
+            </a:r>
+          </a:p>
+          <a:p>
+            <a:pPr marL="0" lvl="0" indent="0">
+              <a:lnSpc>
+                <a:spcPct val="100000"/>
+              </a:lnSpc>
+              <a:buNone/>
+            </a:pPr>
+            <a:r>
+              <a:rPr lang="ru-RU" dirty="0"/>
+              <a:t>	</a:t>
+            </a:r>
+            <a:r>
+              <a:rPr lang="ru-RU" dirty="0" err="1"/>
+              <a:t>GetRoot</a:t>
+            </a:r>
+            <a:r>
+              <a:rPr lang="ru-RU" dirty="0"/>
+              <a:t>() //возвращает корневой узел</a:t>
+            </a:r>
+          </a:p>
+          <a:p>
+            <a:pPr marL="0" lvl="0" indent="0">
+              <a:lnSpc>
+                <a:spcPct val="100000"/>
+              </a:lnSpc>
+              <a:buNone/>
+            </a:pPr>
+            <a:r>
+              <a:rPr lang="ru-RU" dirty="0"/>
+              <a:t>	</a:t>
+            </a:r>
+            <a:r>
+              <a:rPr lang="ru-RU" dirty="0" err="1"/>
+              <a:t>Insert</a:t>
+            </a:r>
+            <a:r>
+              <a:rPr lang="ru-RU" dirty="0"/>
+              <a:t>(</a:t>
+            </a:r>
+            <a:r>
+              <a:rPr lang="ru-RU" dirty="0" err="1"/>
+              <a:t>int</a:t>
+            </a:r>
+            <a:r>
+              <a:rPr lang="ru-RU" dirty="0"/>
+              <a:t> </a:t>
+            </a:r>
+            <a:r>
+              <a:rPr lang="ru-RU" dirty="0" err="1"/>
+              <a:t>value</a:t>
+            </a:r>
+            <a:r>
+              <a:rPr lang="ru-RU" dirty="0"/>
+              <a:t>) //вставка</a:t>
+            </a:r>
+          </a:p>
+          <a:p>
+            <a:pPr marL="0" lvl="0" indent="0">
+              <a:lnSpc>
+                <a:spcPct val="100000"/>
+              </a:lnSpc>
+              <a:buNone/>
+            </a:pPr>
+            <a:r>
+              <a:rPr lang="ru-RU" dirty="0"/>
+              <a:t>	</a:t>
+            </a:r>
+            <a:r>
+              <a:rPr lang="ru-RU" dirty="0" err="1"/>
+              <a:t>Search</a:t>
+            </a:r>
+            <a:r>
+              <a:rPr lang="ru-RU" dirty="0"/>
+              <a:t>(</a:t>
+            </a:r>
+            <a:r>
+              <a:rPr lang="ru-RU" dirty="0" err="1"/>
+              <a:t>int</a:t>
+            </a:r>
+            <a:r>
+              <a:rPr lang="ru-RU" dirty="0"/>
+              <a:t> </a:t>
+            </a:r>
+            <a:r>
+              <a:rPr lang="ru-RU" dirty="0" err="1"/>
+              <a:t>value</a:t>
+            </a:r>
+            <a:r>
+              <a:rPr lang="ru-RU" dirty="0"/>
+              <a:t>) //поиск</a:t>
+            </a:r>
+          </a:p>
+          <a:p>
+            <a:pPr marL="0" lvl="0" indent="0">
+              <a:lnSpc>
+                <a:spcPct val="100000"/>
+              </a:lnSpc>
+              <a:buNone/>
+            </a:pPr>
+            <a:r>
+              <a:rPr lang="ru-RU" dirty="0"/>
+              <a:t>	</a:t>
+            </a:r>
+            <a:r>
+              <a:rPr lang="ru-RU" dirty="0" err="1"/>
+              <a:t>Delete</a:t>
+            </a:r>
+            <a:r>
+              <a:rPr lang="ru-RU" dirty="0"/>
+              <a:t>(</a:t>
+            </a:r>
+            <a:r>
+              <a:rPr lang="ru-RU" dirty="0" err="1"/>
+              <a:t>int</a:t>
+            </a:r>
+            <a:r>
+              <a:rPr lang="ru-RU" dirty="0"/>
+              <a:t> </a:t>
+            </a:r>
+            <a:r>
+              <a:rPr lang="ru-RU" dirty="0" err="1"/>
+              <a:t>value</a:t>
+            </a:r>
+            <a:r>
+              <a:rPr lang="ru-RU" dirty="0"/>
+              <a:t>) //удаление</a:t>
+            </a:r>
+          </a:p>
+          <a:p>
+            <a:pPr marL="0" indent="0">
+              <a:lnSpc>
+                <a:spcPct val="100000"/>
+              </a:lnSpc>
+              <a:buNone/>
+            </a:pPr>
+            <a:r>
+              <a:rPr lang="ru-RU" dirty="0"/>
+              <a:t>Также они имеют не совпадающие приватные методы.</a:t>
+            </a:r>
+          </a:p>
+          <a:p>
+            <a:endParaRPr lang="ru-RU" dirty="0"/>
+          </a:p>
+        </p:txBody>
+      </p:sp>
     </p:spTree>
     <p:extLst>
       <p:ext uri="{BB962C8B-B14F-4D97-AF65-F5344CB8AC3E}">
-        <p14:creationId xmlns:p14="http://schemas.microsoft.com/office/powerpoint/2010/main" val="2654533170"/>
+        <p14:creationId xmlns:p14="http://schemas.microsoft.com/office/powerpoint/2010/main" val="2651761907"/>
       </p:ext>
     </p:extLst>
   </p:cSld>
@@ -5884,7 +6135,7 @@
           <p:cNvPr id="2" name="Заголовок 1">
             <a:extLst>
               <a:ext uri="{FF2B5EF4-FFF2-40B4-BE49-F238E27FC236}">
-                <a16:creationId xmlns:a16="http://schemas.microsoft.com/office/drawing/2014/main" id="{D1A853F7-A5B6-4366-8732-2BFB61A711D2}"/>
+                <a16:creationId xmlns:a16="http://schemas.microsoft.com/office/drawing/2014/main" id="{F0452BE9-EA16-4FFE-9AC1-C5D98CA9E2A4}"/>
               </a:ext>
             </a:extLst>
           </p:cNvPr>
@@ -5895,40 +6146,20 @@
             <p:ph type="title"/>
           </p:nvPr>
         </p:nvSpPr>
-        <p:spPr/>
+        <p:spPr>
+          <a:xfrm>
+            <a:off x="838200" y="365126"/>
+            <a:ext cx="10515600" cy="794372"/>
+          </a:xfrm>
+        </p:spPr>
         <p:txBody>
           <a:bodyPr/>
           <a:lstStyle/>
           <a:p>
             <a:r>
               <a:rPr lang="ru-RU" dirty="0"/>
-              <a:t>Заключение</a:t>
-            </a:r>
-          </a:p>
-        </p:txBody>
-      </p:sp>
-      <p:sp>
-        <p:nvSpPr>
-          <p:cNvPr id="3" name="Объект 2">
-            <a:extLst>
-              <a:ext uri="{FF2B5EF4-FFF2-40B4-BE49-F238E27FC236}">
-                <a16:creationId xmlns:a16="http://schemas.microsoft.com/office/drawing/2014/main" id="{70D5C781-54B7-4B89-9606-AAEBE92509BA}"/>
-              </a:ext>
-            </a:extLst>
-          </p:cNvPr>
-          <p:cNvSpPr>
-            <a:spLocks noGrp="1"/>
-          </p:cNvSpPr>
-          <p:nvPr>
-            <p:ph sz="half" idx="1"/>
-          </p:nvPr>
-        </p:nvSpPr>
-        <p:spPr/>
-        <p:txBody>
-          <a:bodyPr/>
-          <a:lstStyle/>
-          <a:p>
-            <a:endParaRPr lang="ru-RU"/>
+              <a:t>Тестирование </a:t>
+            </a:r>
           </a:p>
         </p:txBody>
       </p:sp>
@@ -5937,7 +6168,7 @@
           <p:cNvPr id="6" name="Номер слайда 5">
             <a:extLst>
               <a:ext uri="{FF2B5EF4-FFF2-40B4-BE49-F238E27FC236}">
-                <a16:creationId xmlns:a16="http://schemas.microsoft.com/office/drawing/2014/main" id="{D059264E-917E-473B-9E7F-F0AD65A151AF}"/>
+                <a16:creationId xmlns:a16="http://schemas.microsoft.com/office/drawing/2014/main" id="{E6F0E293-38B3-4DC9-9231-283ADF155016}"/>
               </a:ext>
             </a:extLst>
           </p:cNvPr>
@@ -5963,6 +6194,192 @@
       </p:sp>
       <p:pic>
         <p:nvPicPr>
+          <p:cNvPr id="13" name="Объект 12">
+            <a:extLst>
+              <a:ext uri="{FF2B5EF4-FFF2-40B4-BE49-F238E27FC236}">
+                <a16:creationId xmlns:a16="http://schemas.microsoft.com/office/drawing/2014/main" id="{D2E4496E-0DF0-4C78-B588-F64479C07174}"/>
+              </a:ext>
+            </a:extLst>
+          </p:cNvPr>
+          <p:cNvPicPr>
+            <a:picLocks noGrp="1" noChangeAspect="1"/>
+          </p:cNvPicPr>
+          <p:nvPr>
+            <p:ph sz="half" idx="1"/>
+          </p:nvPr>
+        </p:nvPicPr>
+        <p:blipFill>
+          <a:blip r:embed="rId2"/>
+          <a:stretch>
+            <a:fillRect/>
+          </a:stretch>
+        </p:blipFill>
+        <p:spPr>
+          <a:xfrm>
+            <a:off x="1876722" y="1307367"/>
+            <a:ext cx="8580440" cy="5185508"/>
+          </a:xfrm>
+          <a:prstGeom prst="rect">
+            <a:avLst/>
+          </a:prstGeom>
+        </p:spPr>
+      </p:pic>
+    </p:spTree>
+    <p:extLst>
+      <p:ext uri="{BB962C8B-B14F-4D97-AF65-F5344CB8AC3E}">
+        <p14:creationId xmlns:p14="http://schemas.microsoft.com/office/powerpoint/2010/main" val="2654533170"/>
+      </p:ext>
+    </p:extLst>
+  </p:cSld>
+  <p:clrMapOvr>
+    <a:masterClrMapping/>
+  </p:clrMapOvr>
+</p:sld>
+</file>
+
+<file path=ppt/slides/slide13.xml><?xml version="1.0" encoding="utf-8"?>
+<p:sld xmlns:a="http://schemas.openxmlformats.org/drawingml/2006/main" xmlns:r="http://schemas.openxmlformats.org/officeDocument/2006/relationships" xmlns:p="http://schemas.openxmlformats.org/presentationml/2006/main">
+  <p:cSld>
+    <p:spTree>
+      <p:nvGrpSpPr>
+        <p:cNvPr id="1" name=""/>
+        <p:cNvGrpSpPr/>
+        <p:nvPr/>
+      </p:nvGrpSpPr>
+      <p:grpSpPr>
+        <a:xfrm>
+          <a:off x="0" y="0"/>
+          <a:ext cx="0" cy="0"/>
+          <a:chOff x="0" y="0"/>
+          <a:chExt cx="0" cy="0"/>
+        </a:xfrm>
+      </p:grpSpPr>
+      <p:sp>
+        <p:nvSpPr>
+          <p:cNvPr id="2" name="Заголовок 1">
+            <a:extLst>
+              <a:ext uri="{FF2B5EF4-FFF2-40B4-BE49-F238E27FC236}">
+                <a16:creationId xmlns:a16="http://schemas.microsoft.com/office/drawing/2014/main" id="{F0452BE9-EA16-4FFE-9AC1-C5D98CA9E2A4}"/>
+              </a:ext>
+            </a:extLst>
+          </p:cNvPr>
+          <p:cNvSpPr>
+            <a:spLocks noGrp="1"/>
+          </p:cNvSpPr>
+          <p:nvPr>
+            <p:ph type="title"/>
+          </p:nvPr>
+        </p:nvSpPr>
+        <p:spPr>
+          <a:xfrm>
+            <a:off x="838200" y="365126"/>
+            <a:ext cx="10515600" cy="700103"/>
+          </a:xfrm>
+        </p:spPr>
+        <p:txBody>
+          <a:bodyPr/>
+          <a:lstStyle/>
+          <a:p>
+            <a:r>
+              <a:rPr lang="ru-RU" dirty="0"/>
+              <a:t>Тестирование </a:t>
+            </a:r>
+          </a:p>
+        </p:txBody>
+      </p:sp>
+      <p:sp>
+        <p:nvSpPr>
+          <p:cNvPr id="6" name="Номер слайда 5">
+            <a:extLst>
+              <a:ext uri="{FF2B5EF4-FFF2-40B4-BE49-F238E27FC236}">
+                <a16:creationId xmlns:a16="http://schemas.microsoft.com/office/drawing/2014/main" id="{E6F0E293-38B3-4DC9-9231-283ADF155016}"/>
+              </a:ext>
+            </a:extLst>
+          </p:cNvPr>
+          <p:cNvSpPr>
+            <a:spLocks noGrp="1"/>
+          </p:cNvSpPr>
+          <p:nvPr>
+            <p:ph type="sldNum" sz="quarter" idx="12"/>
+          </p:nvPr>
+        </p:nvSpPr>
+        <p:spPr/>
+        <p:txBody>
+          <a:bodyPr/>
+          <a:lstStyle/>
+          <a:p>
+            <a:fld id="{6302724D-2B90-4847-89E2-C30FB64926F9}" type="slidenum">
+              <a:rPr lang="ru-RU" sz="1600" smtClean="0"/>
+              <a:t>13</a:t>
+            </a:fld>
+            <a:endParaRPr lang="ru-RU" dirty="0"/>
+          </a:p>
+        </p:txBody>
+      </p:sp>
+      <p:pic>
+        <p:nvPicPr>
+          <p:cNvPr id="5" name="Объект 4">
+            <a:extLst>
+              <a:ext uri="{FF2B5EF4-FFF2-40B4-BE49-F238E27FC236}">
+                <a16:creationId xmlns:a16="http://schemas.microsoft.com/office/drawing/2014/main" id="{73623995-8AAF-43F3-B315-9FA9566B1C7E}"/>
+              </a:ext>
+            </a:extLst>
+          </p:cNvPr>
+          <p:cNvPicPr>
+            <a:picLocks noGrp="1" noChangeAspect="1"/>
+          </p:cNvPicPr>
+          <p:nvPr>
+            <p:ph sz="half" idx="1"/>
+          </p:nvPr>
+        </p:nvPicPr>
+        <p:blipFill>
+          <a:blip r:embed="rId2"/>
+          <a:stretch>
+            <a:fillRect/>
+          </a:stretch>
+        </p:blipFill>
+        <p:spPr>
+          <a:xfrm>
+            <a:off x="1623863" y="1065229"/>
+            <a:ext cx="8944274" cy="5348434"/>
+          </a:xfrm>
+          <a:prstGeom prst="rect">
+            <a:avLst/>
+          </a:prstGeom>
+        </p:spPr>
+      </p:pic>
+    </p:spTree>
+    <p:extLst>
+      <p:ext uri="{BB962C8B-B14F-4D97-AF65-F5344CB8AC3E}">
+        <p14:creationId xmlns:p14="http://schemas.microsoft.com/office/powerpoint/2010/main" val="3445515732"/>
+      </p:ext>
+    </p:extLst>
+  </p:cSld>
+  <p:clrMapOvr>
+    <a:masterClrMapping/>
+  </p:clrMapOvr>
+</p:sld>
+</file>
+
+<file path=ppt/slides/slide14.xml><?xml version="1.0" encoding="utf-8"?>
+<p:sld xmlns:a="http://schemas.openxmlformats.org/drawingml/2006/main" xmlns:r="http://schemas.openxmlformats.org/officeDocument/2006/relationships" xmlns:p="http://schemas.openxmlformats.org/presentationml/2006/main">
+  <p:cSld>
+    <p:spTree>
+      <p:nvGrpSpPr>
+        <p:cNvPr id="1" name=""/>
+        <p:cNvGrpSpPr/>
+        <p:nvPr/>
+      </p:nvGrpSpPr>
+      <p:grpSpPr>
+        <a:xfrm>
+          <a:off x="0" y="0"/>
+          <a:ext cx="0" cy="0"/>
+          <a:chOff x="0" y="0"/>
+          <a:chExt cx="0" cy="0"/>
+        </a:xfrm>
+      </p:grpSpPr>
+      <p:pic>
+        <p:nvPicPr>
           <p:cNvPr id="12" name="Объект 11">
             <a:extLst>
               <a:ext uri="{FF2B5EF4-FFF2-40B4-BE49-F238E27FC236}">
@@ -5991,8 +6408,8 @@
         </p:blipFill>
         <p:spPr>
           <a:xfrm>
-            <a:off x="6621379" y="2938463"/>
-            <a:ext cx="5181600" cy="3238500"/>
+            <a:off x="150829" y="2658359"/>
+            <a:ext cx="6435060" cy="4021912"/>
           </a:xfrm>
           <a:prstGeom prst="ellipse">
             <a:avLst/>
@@ -6005,6 +6422,209 @@
           </a:effectLst>
         </p:spPr>
       </p:pic>
+      <p:sp>
+        <p:nvSpPr>
+          <p:cNvPr id="2" name="Заголовок 1">
+            <a:extLst>
+              <a:ext uri="{FF2B5EF4-FFF2-40B4-BE49-F238E27FC236}">
+                <a16:creationId xmlns:a16="http://schemas.microsoft.com/office/drawing/2014/main" id="{D1A853F7-A5B6-4366-8732-2BFB61A711D2}"/>
+              </a:ext>
+            </a:extLst>
+          </p:cNvPr>
+          <p:cNvSpPr>
+            <a:spLocks noGrp="1"/>
+          </p:cNvSpPr>
+          <p:nvPr>
+            <p:ph type="title"/>
+          </p:nvPr>
+        </p:nvSpPr>
+        <p:spPr>
+          <a:xfrm>
+            <a:off x="838200" y="123595"/>
+            <a:ext cx="10515600" cy="1114883"/>
+          </a:xfrm>
+        </p:spPr>
+        <p:txBody>
+          <a:bodyPr/>
+          <a:lstStyle/>
+          <a:p>
+            <a:r>
+              <a:rPr lang="ru-RU" dirty="0"/>
+              <a:t>Заключение</a:t>
+            </a:r>
+          </a:p>
+        </p:txBody>
+      </p:sp>
+      <p:sp>
+        <p:nvSpPr>
+          <p:cNvPr id="3" name="Объект 2">
+            <a:extLst>
+              <a:ext uri="{FF2B5EF4-FFF2-40B4-BE49-F238E27FC236}">
+                <a16:creationId xmlns:a16="http://schemas.microsoft.com/office/drawing/2014/main" id="{70D5C781-54B7-4B89-9606-AAEBE92509BA}"/>
+              </a:ext>
+            </a:extLst>
+          </p:cNvPr>
+          <p:cNvSpPr>
+            <a:spLocks noGrp="1"/>
+          </p:cNvSpPr>
+          <p:nvPr>
+            <p:ph sz="half" idx="1"/>
+          </p:nvPr>
+        </p:nvSpPr>
+        <p:spPr>
+          <a:xfrm>
+            <a:off x="3883843" y="863990"/>
+            <a:ext cx="8157329" cy="5621651"/>
+          </a:xfrm>
+        </p:spPr>
+        <p:txBody>
+          <a:bodyPr>
+            <a:normAutofit/>
+          </a:bodyPr>
+          <a:lstStyle/>
+          <a:p>
+            <a:pPr>
+              <a:lnSpc>
+                <a:spcPct val="100000"/>
+              </a:lnSpc>
+            </a:pPr>
+            <a:r>
+              <a:rPr lang="ru-RU" dirty="0"/>
+              <a:t>Изложены в форме научного доклада алгоритмы </a:t>
+            </a:r>
+            <a:r>
+              <a:rPr lang="en-US" dirty="0"/>
+              <a:t>AA-tree </a:t>
+            </a:r>
+            <a:r>
+              <a:rPr lang="ru-RU" dirty="0"/>
+              <a:t>и </a:t>
+            </a:r>
+            <a:r>
+              <a:rPr lang="en-US" dirty="0"/>
+              <a:t>Splay-tree</a:t>
+            </a:r>
+            <a:endParaRPr lang="ru-RU" dirty="0"/>
+          </a:p>
+          <a:p>
+            <a:pPr>
+              <a:lnSpc>
+                <a:spcPct val="100000"/>
+              </a:lnSpc>
+            </a:pPr>
+            <a:r>
+              <a:rPr lang="ru-RU" dirty="0"/>
+              <a:t>Реализованы на языке </a:t>
+            </a:r>
+            <a:r>
+              <a:rPr lang="en-US" dirty="0"/>
+              <a:t>C++ </a:t>
+            </a:r>
+            <a:r>
+              <a:rPr lang="ru-RU" dirty="0"/>
+              <a:t>алгоритмы </a:t>
+            </a:r>
+            <a:r>
+              <a:rPr lang="en-US" dirty="0"/>
+              <a:t>AA-tree </a:t>
+            </a:r>
+            <a:r>
+              <a:rPr lang="ru-RU" dirty="0"/>
+              <a:t>и </a:t>
+            </a:r>
+            <a:r>
+              <a:rPr lang="en-US" dirty="0"/>
+              <a:t>Splay-tree</a:t>
+            </a:r>
+            <a:endParaRPr lang="ru-RU" dirty="0"/>
+          </a:p>
+          <a:p>
+            <a:pPr>
+              <a:lnSpc>
+                <a:spcPct val="100000"/>
+              </a:lnSpc>
+            </a:pPr>
+            <a:r>
+              <a:rPr lang="ru-RU" dirty="0"/>
+              <a:t>Алгоритмы протестированы на 38 тестах</a:t>
+            </a:r>
+            <a:endParaRPr lang="en-US" dirty="0"/>
+          </a:p>
+          <a:p>
+            <a:pPr>
+              <a:lnSpc>
+                <a:spcPct val="100000"/>
+              </a:lnSpc>
+            </a:pPr>
+            <a:r>
+              <a:rPr lang="ru-RU" dirty="0"/>
+              <a:t>Проведено сравнительное исследование производительности алгоритмов </a:t>
+            </a:r>
+            <a:r>
+              <a:rPr lang="en-US" dirty="0"/>
+              <a:t>AA-tree </a:t>
+            </a:r>
+            <a:r>
+              <a:rPr lang="ru-RU" dirty="0"/>
+              <a:t>и </a:t>
+            </a:r>
+            <a:r>
+              <a:rPr lang="en-US" dirty="0"/>
+              <a:t>Splay-tree</a:t>
+            </a:r>
+            <a:endParaRPr lang="ru-RU" dirty="0"/>
+          </a:p>
+          <a:p>
+            <a:pPr>
+              <a:lnSpc>
+                <a:spcPct val="100000"/>
+              </a:lnSpc>
+            </a:pPr>
+            <a:r>
+              <a:rPr lang="ru-RU" dirty="0"/>
+              <a:t>Результаты работы выложены на </a:t>
+            </a:r>
+            <a:r>
+              <a:rPr lang="en-US" dirty="0"/>
+              <a:t>GitHub (https://github.com/Koshkaallmaznaya</a:t>
+            </a:r>
+            <a:r>
+              <a:rPr lang="en-US"/>
+              <a:t>/algorithms-AA-tree-Splay-tree)</a:t>
+            </a:r>
+            <a:endParaRPr lang="ru-RU" dirty="0"/>
+          </a:p>
+        </p:txBody>
+      </p:sp>
+      <p:sp>
+        <p:nvSpPr>
+          <p:cNvPr id="6" name="Номер слайда 5">
+            <a:extLst>
+              <a:ext uri="{FF2B5EF4-FFF2-40B4-BE49-F238E27FC236}">
+                <a16:creationId xmlns:a16="http://schemas.microsoft.com/office/drawing/2014/main" id="{D059264E-917E-473B-9E7F-F0AD65A151AF}"/>
+              </a:ext>
+            </a:extLst>
+          </p:cNvPr>
+          <p:cNvSpPr>
+            <a:spLocks noGrp="1"/>
+          </p:cNvSpPr>
+          <p:nvPr>
+            <p:ph type="sldNum" sz="quarter" idx="12"/>
+          </p:nvPr>
+        </p:nvSpPr>
+        <p:spPr/>
+        <p:txBody>
+          <a:bodyPr/>
+          <a:lstStyle/>
+          <a:p>
+            <a:fld id="{6302724D-2B90-4847-89E2-C30FB64926F9}" type="slidenum">
+              <a:rPr lang="ru-RU" sz="1600" smtClean="0"/>
+              <a:t>14</a:t>
+            </a:fld>
+            <a:endParaRPr lang="ru-RU" dirty="0"/>
+          </a:p>
+        </p:txBody>
+      </p:sp>
     </p:spTree>
     <p:extLst>
       <p:ext uri="{BB962C8B-B14F-4D97-AF65-F5344CB8AC3E}">
@@ -6098,7 +6718,7 @@
             </a:r>
             <a:r>
               <a:rPr lang="en-US" dirty="0"/>
-              <a:t>Splay</a:t>
+              <a:t>AA</a:t>
             </a:r>
             <a:r>
               <a:rPr lang="ru-RU" dirty="0"/>
@@ -6114,7 +6734,7 @@
             </a:r>
             <a:r>
               <a:rPr lang="en-US" dirty="0"/>
-              <a:t>AA</a:t>
+              <a:t>Splay</a:t>
             </a:r>
             <a:r>
               <a:rPr lang="ru-RU" dirty="0"/>
@@ -6133,14 +6753,6 @@
               <a:t>Реализовать </a:t>
             </a:r>
             <a:r>
-              <a:rPr lang="ru-RU" dirty="0" err="1"/>
-              <a:t>Splay-tree</a:t>
-            </a:r>
-            <a:r>
-              <a:rPr lang="ru-RU" dirty="0"/>
-              <a:t> и </a:t>
-            </a:r>
-            <a:r>
               <a:rPr lang="en-US" dirty="0"/>
               <a:t>AA</a:t>
             </a:r>
@@ -6150,6 +6762,22 @@
             </a:r>
             <a:r>
               <a:rPr lang="en-US" dirty="0"/>
+              <a:t>tree </a:t>
+            </a:r>
+            <a:r>
+              <a:rPr lang="ru-RU" dirty="0"/>
+              <a:t>и </a:t>
+            </a:r>
+            <a:r>
+              <a:rPr lang="en-US" dirty="0"/>
+              <a:t>Splay</a:t>
+            </a:r>
+            <a:r>
+              <a:rPr lang="ru-RU" dirty="0"/>
+              <a:t>-</a:t>
+            </a:r>
+            <a:r>
+              <a:rPr lang="en-US" dirty="0"/>
               <a:t>tree</a:t>
             </a:r>
             <a:endParaRPr lang="ru-RU" dirty="0"/>
@@ -6158,14 +6786,14 @@
             <a:pPr lvl="0"/>
             <a:r>
               <a:rPr lang="ru-RU" dirty="0"/>
-              <a:t>Придумать и реализовать тесты, подходящие для обоих деревьев</a:t>
+              <a:t>Создать тесты для обоих деревьев</a:t>
             </a:r>
           </a:p>
           <a:p>
             <a:pPr lvl="0"/>
             <a:r>
               <a:rPr lang="ru-RU" dirty="0"/>
-              <a:t>Описать результаты тестирования </a:t>
+              <a:t>Описать результаты исследования </a:t>
             </a:r>
             <a:r>
               <a:rPr lang="en-US" dirty="0"/>
@@ -6352,10 +6980,13 @@
         </p:spPr>
         <p:txBody>
           <a:bodyPr>
-            <a:normAutofit/>
+            <a:normAutofit lnSpcReduction="10000"/>
           </a:bodyPr>
           <a:lstStyle/>
           <a:p>
+            <a:pPr marL="0" indent="0">
+              <a:buNone/>
+            </a:pPr>
             <a:r>
               <a:rPr lang="en-US" dirty="0"/>
               <a:t>AA</a:t>
@@ -6366,19 +6997,43 @@
             </a:r>
             <a:r>
               <a:rPr lang="en-US" dirty="0"/>
-              <a:t>tree </a:t>
+              <a:t>tree</a:t>
             </a:r>
             <a:r>
               <a:rPr lang="ru-RU" dirty="0"/>
-              <a:t>– это модификация красно-черного дерева, предложенная Арне </a:t>
+              <a:t> – </a:t>
+            </a:r>
+          </a:p>
+          <a:p>
+            <a:pPr marL="0" indent="0">
+              <a:buNone/>
+            </a:pPr>
+            <a:r>
+              <a:rPr lang="ru-RU" dirty="0"/>
+              <a:t>	модификация красно-черного дерева</a:t>
+            </a:r>
+          </a:p>
+          <a:p>
+            <a:pPr marL="0" indent="0">
+              <a:buNone/>
+            </a:pPr>
+            <a:r>
+              <a:rPr lang="ru-RU" dirty="0"/>
+              <a:t>	Арне </a:t>
             </a:r>
             <a:r>
               <a:rPr lang="ru-RU" dirty="0" err="1"/>
-              <a:t>Андерссоном</a:t>
-            </a:r>
+              <a:t>Андерссон</a:t>
+            </a:r>
+            <a:endParaRPr lang="ru-RU" dirty="0"/>
+          </a:p>
+          <a:p>
+            <a:pPr marL="0" indent="0">
+              <a:buNone/>
+            </a:pPr>
             <a:r>
               <a:rPr lang="ru-RU" dirty="0"/>
-              <a:t> в 1993 году.</a:t>
+              <a:t>	(1993 год)</a:t>
             </a:r>
           </a:p>
           <a:p>
@@ -6388,6 +7043,9 @@
             <a:endParaRPr lang="ru-RU" dirty="0"/>
           </a:p>
           <a:p>
+            <a:pPr marL="0" indent="0">
+              <a:buNone/>
+            </a:pPr>
             <a:r>
               <a:rPr lang="en-US" dirty="0"/>
               <a:t>Splay</a:t>
@@ -6402,23 +7060,47 @@
             </a:r>
             <a:r>
               <a:rPr lang="ru-RU" dirty="0"/>
-              <a:t> – двоичное дерево поиска, созданное Робертом </a:t>
+              <a:t> –</a:t>
+            </a:r>
+          </a:p>
+          <a:p>
+            <a:pPr marL="0" indent="0">
+              <a:buNone/>
+            </a:pPr>
+            <a:r>
+              <a:rPr lang="ru-RU" dirty="0"/>
+              <a:t>	двоичное дерево поиска</a:t>
+            </a:r>
+          </a:p>
+          <a:p>
+            <a:pPr marL="0" indent="0">
+              <a:buNone/>
+            </a:pPr>
+            <a:r>
+              <a:rPr lang="ru-RU" dirty="0"/>
+              <a:t>	Роберт </a:t>
             </a:r>
             <a:r>
               <a:rPr lang="ru-RU" dirty="0" err="1"/>
-              <a:t>Тарьяном</a:t>
+              <a:t>Тарьян</a:t>
             </a:r>
             <a:r>
               <a:rPr lang="ru-RU" dirty="0"/>
-              <a:t> и Даниелем </a:t>
+              <a:t> и Даниель </a:t>
             </a:r>
             <a:r>
               <a:rPr lang="ru-RU" dirty="0" err="1"/>
               <a:t>Слейтор</a:t>
             </a:r>
+            <a:endParaRPr lang="ru-RU" dirty="0"/>
+          </a:p>
+          <a:p>
+            <a:pPr marL="0" indent="0">
+              <a:buNone/>
+            </a:pPr>
             <a:r>
               <a:rPr lang="ru-RU" dirty="0"/>
-              <a:t> в 1983 году.</a:t>
+              <a:t>	(1983 год)</a:t>
             </a:r>
           </a:p>
         </p:txBody>
@@ -6482,7 +7164,22 @@
                         <a14:foregroundMark x1="75217" y1="41413" x2="77391" y2="40978"/>
                         <a14:foregroundMark x1="61739" y1="61957" x2="63804" y2="63913"/>
                         <a14:foregroundMark x1="38696" y1="69674" x2="40652" y2="71630"/>
+                        <a14:foregroundMark x1="33043" y1="31413" x2="33043" y2="31413"/>
+                        <a14:foregroundMark x1="32826" y1="31087" x2="32826" y2="31087"/>
+                        <a14:foregroundMark x1="39457" y1="76739" x2="39457" y2="76739"/>
+                        <a14:foregroundMark x1="75978" y1="47174" x2="75978" y2="47174"/>
+                        <a14:foregroundMark x1="75978" y1="48913" x2="75978" y2="48913"/>
+                        <a14:foregroundMark x1="39457" y1="76957" x2="39457" y2="76957"/>
+                        <a14:foregroundMark x1="39457" y1="78804" x2="39457" y2="78804"/>
                         <a14:backgroundMark x1="48587" y1="42609" x2="48804" y2="43043"/>
+                        <a14:backgroundMark x1="32500" y1="31196" x2="32500" y2="31196"/>
+                        <a14:backgroundMark x1="32717" y1="31087" x2="32717" y2="31087"/>
+                        <a14:backgroundMark x1="63804" y1="67065" x2="63804" y2="67065"/>
+                        <a14:backgroundMark x1="75652" y1="47174" x2="75652" y2="47174"/>
+                        <a14:backgroundMark x1="38804" y1="76957" x2="39022" y2="76739"/>
+                        <a14:backgroundMark x1="39130" y1="76413" x2="39130" y2="76413"/>
+                        <a14:backgroundMark x1="39130" y1="76630" x2="39130" y2="76630"/>
+                        <a14:backgroundMark x1="39130" y1="76739" x2="39130" y2="76739"/>
                       </a14:backgroundRemoval>
                     </a14:imgEffect>
                   </a14:imgLayer>
@@ -6559,12 +7256,16 @@
           <a:lstStyle/>
           <a:p>
             <a:r>
+              <a:rPr lang="en-US" dirty="0"/>
+              <a:t>AA-tree</a:t>
+            </a:r>
+            <a:r>
               <a:rPr lang="ru-RU" dirty="0"/>
-              <a:t>Алгоритм</a:t>
+              <a:t>. Идеи</a:t>
             </a:r>
             <a:r>
               <a:rPr lang="en-US" dirty="0"/>
-              <a:t>. AA-tree</a:t>
+              <a:t> </a:t>
             </a:r>
             <a:endParaRPr lang="ru-RU" dirty="0"/>
           </a:p>
@@ -6589,7 +7290,7 @@
         <p:spPr>
           <a:xfrm>
             <a:off x="838200" y="1825625"/>
-            <a:ext cx="8642684" cy="3035133"/>
+            <a:ext cx="8334080" cy="3035133"/>
           </a:xfrm>
         </p:spPr>
         <p:txBody>
@@ -6598,14 +7299,18 @@
           </a:bodyPr>
           <a:lstStyle/>
           <a:p>
-            <a:pPr lvl="0"/>
+            <a:pPr lvl="0">
+              <a:lnSpc>
+                <a:spcPct val="100000"/>
+              </a:lnSpc>
+            </a:pPr>
             <a:r>
               <a:rPr lang="ru-RU" dirty="0"/>
-              <a:t>Вставка нового элемента происходит как в обычном дереве поиска, только на пути вверх необходимо делать </a:t>
+              <a:t>Вставка элемента – как в обычном дереве поиска, но на пути вверх выполняется </a:t>
             </a:r>
             <a:r>
               <a:rPr lang="ru-RU" dirty="0" err="1"/>
-              <a:t>ребалансировку</a:t>
+              <a:t>ребалансировка</a:t>
             </a:r>
             <a:r>
               <a:rPr lang="ru-RU" dirty="0"/>
@@ -6637,10 +7342,14 @@
             </a:r>
           </a:p>
           <a:p>
-            <a:pPr lvl="0"/>
+            <a:pPr lvl="0">
+              <a:lnSpc>
+                <a:spcPct val="100000"/>
+              </a:lnSpc>
+            </a:pPr>
             <a:r>
               <a:rPr lang="ru-RU" dirty="0"/>
-              <a:t>Удаление происходит также, как и в обычных деревьях, но чтобы сохранять баланс дерева необходимо делать </a:t>
+              <a:t>Удаление элемента – как в обычном дереве поиска, но для сохранения баланса выполняются </a:t>
             </a:r>
             <a:r>
               <a:rPr lang="en-US" dirty="0"/>
@@ -6676,7 +7385,7 @@
             </a:r>
             <a:r>
               <a:rPr lang="ru-RU" dirty="0"/>
-              <a:t>() для каждой вершины.</a:t>
+              <a:t>().</a:t>
             </a:r>
           </a:p>
         </p:txBody>
@@ -6796,6 +7505,14 @@
                         <a14:foregroundMark x1="48056" y1="46322" x2="48056" y2="46322"/>
                         <a14:foregroundMark x1="45833" y1="41962" x2="45833" y2="41962"/>
                         <a14:foregroundMark x1="42500" y1="46049" x2="42500" y2="46049"/>
+                        <a14:backgroundMark x1="63889" y1="12807" x2="63889" y2="12807"/>
+                        <a14:backgroundMark x1="63611" y1="12262" x2="63611" y2="12262"/>
+                        <a14:backgroundMark x1="63611" y1="12262" x2="63611" y2="12262"/>
+                        <a14:backgroundMark x1="62778" y1="11444" x2="62778" y2="11444"/>
+                        <a14:backgroundMark x1="64444" y1="11444" x2="63056" y2="11444"/>
+                        <a14:backgroundMark x1="85556" y1="59946" x2="84444" y2="58583"/>
+                        <a14:backgroundMark x1="21944" y1="48501" x2="21667" y2="47411"/>
+                        <a14:backgroundMark x1="84722" y1="60218" x2="85556" y2="57221"/>
                       </a14:backgroundRemoval>
                     </a14:imgEffect>
                   </a14:imgLayer>
@@ -6866,7 +7583,12 @@
             <p:ph type="title"/>
           </p:nvPr>
         </p:nvSpPr>
-        <p:spPr/>
+        <p:spPr>
+          <a:xfrm>
+            <a:off x="838200" y="317991"/>
+            <a:ext cx="10515600" cy="1325563"/>
+          </a:xfrm>
+        </p:spPr>
         <p:txBody>
           <a:bodyPr/>
           <a:lstStyle/>
@@ -6881,7 +7603,15 @@
             </a:r>
             <a:r>
               <a:rPr lang="en-US" dirty="0"/>
-              <a:t>Skew()</a:t>
+              <a:t>Skew() </a:t>
+            </a:r>
+            <a:r>
+              <a:rPr lang="en-US" sz="2800" dirty="0"/>
+              <a:t>//</a:t>
+            </a:r>
+            <a:r>
+              <a:rPr lang="ru-RU" sz="2800" dirty="0"/>
+              <a:t>устранение левого горизонтального ребра</a:t>
             </a:r>
             <a:endParaRPr lang="ru-RU" dirty="0"/>
           </a:p>
@@ -8190,7 +8920,12 @@
             <p:ph type="title"/>
           </p:nvPr>
         </p:nvSpPr>
-        <p:spPr/>
+        <p:spPr>
+          <a:xfrm>
+            <a:off x="839788" y="365125"/>
+            <a:ext cx="7911177" cy="1325563"/>
+          </a:xfrm>
+        </p:spPr>
         <p:txBody>
           <a:bodyPr/>
           <a:lstStyle/>
@@ -8206,6 +8941,14 @@
             <a:r>
               <a:rPr lang="en-US" dirty="0"/>
               <a:t>Split()</a:t>
+            </a:r>
+            <a:r>
+              <a:rPr lang="ru-RU" dirty="0"/>
+              <a:t> </a:t>
+            </a:r>
+            <a:r>
+              <a:rPr lang="ru-RU" sz="2800" dirty="0"/>
+              <a:t>//устранение двух последовательных правых ребер</a:t>
             </a:r>
             <a:endParaRPr lang="ru-RU" dirty="0"/>
           </a:p>
@@ -9559,14 +10302,13 @@
           <a:lstStyle/>
           <a:p>
             <a:r>
+              <a:rPr lang="en-US" dirty="0"/>
+              <a:t>Splay-tree</a:t>
+            </a:r>
+            <a:r>
               <a:rPr lang="ru-RU" dirty="0"/>
-              <a:t>Алгоритм</a:t>
-            </a:r>
-            <a:r>
-              <a:rPr lang="en-US" dirty="0"/>
-              <a:t>. Splay-tree</a:t>
-            </a:r>
-            <a:endParaRPr lang="ru-RU" dirty="0"/>
+              <a:t>. Идея</a:t>
+            </a:r>
           </a:p>
         </p:txBody>
       </p:sp>
@@ -9589,7 +10331,7 @@
         <p:spPr>
           <a:xfrm>
             <a:off x="838200" y="1825625"/>
-            <a:ext cx="7311189" cy="2088649"/>
+            <a:ext cx="7311189" cy="2840643"/>
           </a:xfrm>
         </p:spPr>
         <p:txBody>
@@ -9604,15 +10346,25 @@
             </a:r>
             <a:r>
               <a:rPr lang="ru-RU" dirty="0"/>
-              <a:t>основная</a:t>
-            </a:r>
-            <a:r>
-              <a:rPr lang="en-US" dirty="0"/>
-              <a:t> </a:t>
-            </a:r>
+              <a:t>перемещение вершины в корень</a:t>
+            </a:r>
+          </a:p>
+          <a:p>
+            <a:pPr marL="0" indent="0">
+              <a:buNone/>
+            </a:pPr>
             <a:r>
               <a:rPr lang="ru-RU" dirty="0"/>
-              <a:t>операция дерева. Заключается в перемещении вершины в корень при помощи последовательного выполнения трёх операций: </a:t>
+              <a:t>	     при помощи операций:</a:t>
+            </a:r>
+          </a:p>
+          <a:p>
+            <a:pPr marL="0" indent="0">
+              <a:buNone/>
+            </a:pPr>
+            <a:r>
+              <a:rPr lang="ru-RU" dirty="0"/>
+              <a:t>	         </a:t>
             </a:r>
             <a:r>
               <a:rPr lang="ru-RU" dirty="0" err="1"/>
@@ -9620,7 +10372,24 @@
             </a:r>
             <a:r>
               <a:rPr lang="ru-RU" dirty="0"/>
-              <a:t>, </a:t>
+              <a:t> (или </a:t>
+            </a:r>
+            <a:r>
+              <a:rPr lang="ru-RU" dirty="0" err="1"/>
+              <a:t>Zag</a:t>
+            </a:r>
+            <a:r>
+              <a:rPr lang="ru-RU" dirty="0"/>
+              <a:t>)</a:t>
+            </a:r>
+          </a:p>
+          <a:p>
+            <a:pPr marL="0" indent="0">
+              <a:buNone/>
+            </a:pPr>
+            <a:r>
+              <a:rPr lang="ru-RU" dirty="0"/>
+              <a:t>	         </a:t>
             </a:r>
             <a:r>
               <a:rPr lang="ru-RU" dirty="0" err="1"/>
@@ -9628,7 +10397,24 @@
             </a:r>
             <a:r>
               <a:rPr lang="ru-RU" dirty="0"/>
-              <a:t> и </a:t>
+              <a:t> (или </a:t>
+            </a:r>
+            <a:r>
+              <a:rPr lang="ru-RU" dirty="0" err="1"/>
+              <a:t>Zag-Zag</a:t>
+            </a:r>
+            <a:r>
+              <a:rPr lang="ru-RU" dirty="0"/>
+              <a:t>)</a:t>
+            </a:r>
+          </a:p>
+          <a:p>
+            <a:pPr marL="0" indent="0">
+              <a:buNone/>
+            </a:pPr>
+            <a:r>
+              <a:rPr lang="ru-RU" dirty="0"/>
+              <a:t>	         </a:t>
             </a:r>
             <a:r>
               <a:rPr lang="ru-RU" dirty="0" err="1"/>
@@ -9636,11 +10422,16 @@
             </a:r>
             <a:r>
               <a:rPr lang="ru-RU" dirty="0"/>
-              <a:t>.</a:t>
-            </a:r>
-          </a:p>
-          <a:p>
-            <a:endParaRPr lang="ru-RU" dirty="0"/>
+              <a:t> (или </a:t>
+            </a:r>
+            <a:r>
+              <a:rPr lang="ru-RU" dirty="0" err="1"/>
+              <a:t>Zag-Zig</a:t>
+            </a:r>
+            <a:r>
+              <a:rPr lang="ru-RU" dirty="0"/>
+              <a:t>)</a:t>
+            </a:r>
           </a:p>
         </p:txBody>
       </p:sp>
@@ -9768,7 +10559,15 @@
           <a:p>
             <a:r>
               <a:rPr lang="en-US" dirty="0"/>
-              <a:t>Splay-tree. Zig()</a:t>
+              <a:t>Splay-tree. Zig(x)</a:t>
+            </a:r>
+            <a:r>
+              <a:rPr lang="ru-RU" dirty="0"/>
+              <a:t> </a:t>
+            </a:r>
+            <a:r>
+              <a:rPr lang="ru-RU" sz="2800" dirty="0"/>
+              <a:t>//если х ребенок корня</a:t>
             </a:r>
             <a:endParaRPr lang="ru-RU" dirty="0"/>
           </a:p>
@@ -9805,7 +10604,7 @@
       </p:sp>
       <p:pic>
         <p:nvPicPr>
-          <p:cNvPr id="21" name="Рисунок 20" descr="Листопадное дерево">
+          <p:cNvPr id="21" name="Рисунок 20" descr="Закрыть">
             <a:extLst>
               <a:ext uri="{FF2B5EF4-FFF2-40B4-BE49-F238E27FC236}">
                 <a16:creationId xmlns:a16="http://schemas.microsoft.com/office/drawing/2014/main" id="{B844CA3C-CADE-4676-BC19-63AEA4774E6E}"/>
@@ -10037,7 +10836,7 @@
       </p:pic>
       <p:pic>
         <p:nvPicPr>
-          <p:cNvPr id="31" name="Рисунок 30" descr="Листопадное дерево">
+          <p:cNvPr id="31" name="Рисунок 30" descr="Закрыть">
             <a:extLst>
               <a:ext uri="{FF2B5EF4-FFF2-40B4-BE49-F238E27FC236}">
                 <a16:creationId xmlns:a16="http://schemas.microsoft.com/office/drawing/2014/main" id="{BA7157EC-E673-4449-9B51-D5FE469B3896}"/>
@@ -11122,7 +11921,15 @@
           <a:p>
             <a:r>
               <a:rPr lang="en-US" dirty="0"/>
-              <a:t>Splay-tree. Zig-Zig()</a:t>
+              <a:t>Splay-tree. Zig-Zig(x)</a:t>
+            </a:r>
+            <a:r>
+              <a:rPr lang="ru-RU" dirty="0"/>
+              <a:t> </a:t>
+            </a:r>
+            <a:r>
+              <a:rPr lang="ru-RU" sz="2800" dirty="0"/>
+              <a:t>//если х внук корня</a:t>
             </a:r>
             <a:endParaRPr lang="ru-RU" dirty="0"/>
           </a:p>
@@ -11314,7 +12121,7 @@
       </p:pic>
       <p:pic>
         <p:nvPicPr>
-          <p:cNvPr id="29" name="Рисунок 28" descr="Листопадное дерево">
+          <p:cNvPr id="29" name="Рисунок 28" descr="Закрыть">
             <a:extLst>
               <a:ext uri="{FF2B5EF4-FFF2-40B4-BE49-F238E27FC236}">
                 <a16:creationId xmlns:a16="http://schemas.microsoft.com/office/drawing/2014/main" id="{085391B8-AC9A-4F14-9C50-825ABC0246D7}"/>
@@ -11390,7 +12197,7 @@
       </p:pic>
       <p:pic>
         <p:nvPicPr>
-          <p:cNvPr id="31" name="Рисунок 30" descr="Листопадное дерево">
+          <p:cNvPr id="31" name="Рисунок 30" descr="Закрыть">
             <a:extLst>
               <a:ext uri="{FF2B5EF4-FFF2-40B4-BE49-F238E27FC236}">
                 <a16:creationId xmlns:a16="http://schemas.microsoft.com/office/drawing/2014/main" id="{BA7157EC-E673-4449-9B51-D5FE469B3896}"/>

--- a/Документы/Б9121-09.03.03пикд_Панкратова_презентация.pptx
+++ b/Документы/Б9121-09.03.03пикд_Панкратова_презентация.pptx
@@ -5,7 +5,7 @@
     <p:sldMasterId id="2147483648" r:id="rId1"/>
   </p:sldMasterIdLst>
   <p:notesMasterIdLst>
-    <p:notesMasterId r:id="rId16"/>
+    <p:notesMasterId r:id="rId17"/>
   </p:notesMasterIdLst>
   <p:sldIdLst>
     <p:sldId id="256" r:id="rId2"/>
@@ -21,7 +21,8 @@
     <p:sldId id="294" r:id="rId12"/>
     <p:sldId id="281" r:id="rId13"/>
     <p:sldId id="293" r:id="rId14"/>
-    <p:sldId id="282" r:id="rId15"/>
+    <p:sldId id="295" r:id="rId15"/>
+    <p:sldId id="282" r:id="rId16"/>
   </p:sldIdLst>
   <p:sldSz cx="12192000" cy="6858000"/>
   <p:notesSz cx="6858000" cy="9144000"/>
@@ -210,7 +211,7 @@
           <a:p>
             <a:fld id="{61615DBC-8FA8-440D-A05A-64361FE5AA84}" type="datetimeFigureOut">
               <a:rPr lang="ru-RU" smtClean="0"/>
-              <a:t>13.02.2023</a:t>
+              <a:t>14.02.2023</a:t>
             </a:fld>
             <a:endParaRPr lang="ru-RU"/>
           </a:p>
@@ -624,7 +625,7 @@
           <a:p>
             <a:fld id="{37CCAC0B-1F38-4361-A946-1E2304236A12}" type="datetime1">
               <a:rPr lang="ru-RU" smtClean="0"/>
-              <a:t>13.02.2023</a:t>
+              <a:t>14.02.2023</a:t>
             </a:fld>
             <a:endParaRPr lang="ru-RU"/>
           </a:p>
@@ -822,7 +823,7 @@
           <a:p>
             <a:fld id="{E3FD6852-0CFD-42D4-B932-ED8111780B1E}" type="datetime1">
               <a:rPr lang="ru-RU" smtClean="0"/>
-              <a:t>13.02.2023</a:t>
+              <a:t>14.02.2023</a:t>
             </a:fld>
             <a:endParaRPr lang="ru-RU"/>
           </a:p>
@@ -1030,7 +1031,7 @@
           <a:p>
             <a:fld id="{156C428A-6C06-46BA-A566-2D23A1C2FECE}" type="datetime1">
               <a:rPr lang="ru-RU" smtClean="0"/>
-              <a:t>13.02.2023</a:t>
+              <a:t>14.02.2023</a:t>
             </a:fld>
             <a:endParaRPr lang="ru-RU"/>
           </a:p>
@@ -1228,7 +1229,7 @@
           <a:p>
             <a:fld id="{CA428AC8-16E2-4567-B41C-1E3A572AF700}" type="datetime1">
               <a:rPr lang="ru-RU" smtClean="0"/>
-              <a:t>13.02.2023</a:t>
+              <a:t>14.02.2023</a:t>
             </a:fld>
             <a:endParaRPr lang="ru-RU"/>
           </a:p>
@@ -1503,7 +1504,7 @@
           <a:p>
             <a:fld id="{50F469D2-E168-4DF6-985A-7EF959A5A052}" type="datetime1">
               <a:rPr lang="ru-RU" smtClean="0"/>
-              <a:t>13.02.2023</a:t>
+              <a:t>14.02.2023</a:t>
             </a:fld>
             <a:endParaRPr lang="ru-RU"/>
           </a:p>
@@ -1768,7 +1769,7 @@
           <a:p>
             <a:fld id="{47AFF362-18F7-4968-889E-0DA6C8F4BE66}" type="datetime1">
               <a:rPr lang="ru-RU" smtClean="0"/>
-              <a:t>13.02.2023</a:t>
+              <a:t>14.02.2023</a:t>
             </a:fld>
             <a:endParaRPr lang="ru-RU"/>
           </a:p>
@@ -2180,7 +2181,7 @@
           <a:p>
             <a:fld id="{5BBBA997-4988-49AF-9896-5F612917F55F}" type="datetime1">
               <a:rPr lang="ru-RU" smtClean="0"/>
-              <a:t>13.02.2023</a:t>
+              <a:t>14.02.2023</a:t>
             </a:fld>
             <a:endParaRPr lang="ru-RU"/>
           </a:p>
@@ -2321,7 +2322,7 @@
           <a:p>
             <a:fld id="{045AF945-8768-4B83-8AC2-373D20959CBC}" type="datetime1">
               <a:rPr lang="ru-RU" smtClean="0"/>
-              <a:t>13.02.2023</a:t>
+              <a:t>14.02.2023</a:t>
             </a:fld>
             <a:endParaRPr lang="ru-RU"/>
           </a:p>
@@ -2434,7 +2435,7 @@
           <a:p>
             <a:fld id="{2E0A1430-60F6-470F-82FE-19E168F002E6}" type="datetime1">
               <a:rPr lang="ru-RU" smtClean="0"/>
-              <a:t>13.02.2023</a:t>
+              <a:t>14.02.2023</a:t>
             </a:fld>
             <a:endParaRPr lang="ru-RU"/>
           </a:p>
@@ -2745,7 +2746,7 @@
           <a:p>
             <a:fld id="{F93941A2-2113-433E-B874-C611A3DDCF2A}" type="datetime1">
               <a:rPr lang="ru-RU" smtClean="0"/>
-              <a:t>13.02.2023</a:t>
+              <a:t>14.02.2023</a:t>
             </a:fld>
             <a:endParaRPr lang="ru-RU"/>
           </a:p>
@@ -3033,7 +3034,7 @@
           <a:p>
             <a:fld id="{73C89677-65C4-4327-B106-1C614B769B3B}" type="datetime1">
               <a:rPr lang="ru-RU" smtClean="0"/>
-              <a:t>13.02.2023</a:t>
+              <a:t>14.02.2023</a:t>
             </a:fld>
             <a:endParaRPr lang="ru-RU"/>
           </a:p>
@@ -3274,7 +3275,7 @@
           <a:p>
             <a:fld id="{86D9C6AA-DD31-4A4A-9DEE-AA75F693DFD5}" type="datetime1">
               <a:rPr lang="ru-RU" smtClean="0"/>
-              <a:t>13.02.2023</a:t>
+              <a:t>14.02.2023</a:t>
             </a:fld>
             <a:endParaRPr lang="ru-RU"/>
           </a:p>
@@ -6378,56 +6379,12 @@
           <a:chExt cx="0" cy="0"/>
         </a:xfrm>
       </p:grpSpPr>
-      <p:pic>
-        <p:nvPicPr>
-          <p:cNvPr id="12" name="Объект 11">
-            <a:extLst>
-              <a:ext uri="{FF2B5EF4-FFF2-40B4-BE49-F238E27FC236}">
-                <a16:creationId xmlns:a16="http://schemas.microsoft.com/office/drawing/2014/main" id="{DAF8811F-E452-4AE8-83B0-1332AAD0DB64}"/>
-              </a:ext>
-            </a:extLst>
-          </p:cNvPr>
-          <p:cNvPicPr>
-            <a:picLocks noGrp="1" noChangeAspect="1"/>
-          </p:cNvPicPr>
-          <p:nvPr>
-            <p:ph sz="half" idx="2"/>
-          </p:nvPr>
-        </p:nvPicPr>
-        <p:blipFill>
-          <a:blip r:embed="rId2">
-            <a:extLst>
-              <a:ext uri="{28A0092B-C50C-407E-A947-70E740481C1C}">
-                <a14:useLocalDpi xmlns:a14="http://schemas.microsoft.com/office/drawing/2010/main" val="0"/>
-              </a:ext>
-            </a:extLst>
-          </a:blip>
-          <a:stretch>
-            <a:fillRect/>
-          </a:stretch>
-        </p:blipFill>
-        <p:spPr>
-          <a:xfrm>
-            <a:off x="150829" y="2658359"/>
-            <a:ext cx="6435060" cy="4021912"/>
-          </a:xfrm>
-          <a:prstGeom prst="ellipse">
-            <a:avLst/>
-          </a:prstGeom>
-          <a:ln>
-            <a:noFill/>
-          </a:ln>
-          <a:effectLst>
-            <a:softEdge rad="112500"/>
-          </a:effectLst>
-        </p:spPr>
-      </p:pic>
       <p:sp>
         <p:nvSpPr>
           <p:cNvPr id="2" name="Заголовок 1">
             <a:extLst>
               <a:ext uri="{FF2B5EF4-FFF2-40B4-BE49-F238E27FC236}">
-                <a16:creationId xmlns:a16="http://schemas.microsoft.com/office/drawing/2014/main" id="{D1A853F7-A5B6-4366-8732-2BFB61A711D2}"/>
+                <a16:creationId xmlns:a16="http://schemas.microsoft.com/office/drawing/2014/main" id="{F0452BE9-EA16-4FFE-9AC1-C5D98CA9E2A4}"/>
               </a:ext>
             </a:extLst>
           </p:cNvPr>
@@ -6440,159 +6397,20 @@
         </p:nvSpPr>
         <p:spPr>
           <a:xfrm>
-            <a:off x="838200" y="123595"/>
-            <a:ext cx="10515600" cy="1114883"/>
-          </a:xfrm>
-        </p:spPr>
-        <p:txBody>
-          <a:bodyPr/>
-          <a:lstStyle/>
-          <a:p>
-            <a:r>
-              <a:rPr lang="ru-RU" dirty="0"/>
-              <a:t>Заключение</a:t>
-            </a:r>
-          </a:p>
-        </p:txBody>
-      </p:sp>
-      <p:sp>
-        <p:nvSpPr>
-          <p:cNvPr id="3" name="Объект 2">
-            <a:extLst>
-              <a:ext uri="{FF2B5EF4-FFF2-40B4-BE49-F238E27FC236}">
-                <a16:creationId xmlns:a16="http://schemas.microsoft.com/office/drawing/2014/main" id="{70D5C781-54B7-4B89-9606-AAEBE92509BA}"/>
-              </a:ext>
-            </a:extLst>
-          </p:cNvPr>
-          <p:cNvSpPr>
-            <a:spLocks noGrp="1"/>
-          </p:cNvSpPr>
-          <p:nvPr>
-            <p:ph sz="half" idx="1"/>
-          </p:nvPr>
-        </p:nvSpPr>
-        <p:spPr>
-          <a:xfrm>
-            <a:off x="3883843" y="863990"/>
-            <a:ext cx="8157329" cy="5621651"/>
+            <a:off x="838200" y="204871"/>
+            <a:ext cx="10515600" cy="671822"/>
           </a:xfrm>
         </p:spPr>
         <p:txBody>
           <a:bodyPr>
-            <a:normAutofit/>
+            <a:normAutofit fontScale="90000"/>
           </a:bodyPr>
           <a:lstStyle/>
           <a:p>
-            <a:pPr>
-              <a:lnSpc>
-                <a:spcPct val="100000"/>
-              </a:lnSpc>
-            </a:pPr>
             <a:r>
               <a:rPr lang="ru-RU" dirty="0"/>
-              <a:t>Изложены в форме научного доклада алгоритмы </a:t>
-            </a:r>
-            <a:r>
-              <a:rPr lang="en-US" dirty="0"/>
-              <a:t>AA-tree </a:t>
-            </a:r>
-            <a:r>
-              <a:rPr lang="ru-RU" dirty="0"/>
-              <a:t>и </a:t>
-            </a:r>
-            <a:r>
-              <a:rPr lang="en-US" dirty="0"/>
-              <a:t>Splay-tree</a:t>
-            </a:r>
-            <a:endParaRPr lang="ru-RU" dirty="0"/>
-          </a:p>
-          <a:p>
-            <a:pPr>
-              <a:lnSpc>
-                <a:spcPct val="100000"/>
-              </a:lnSpc>
-            </a:pPr>
-            <a:r>
-              <a:rPr lang="ru-RU" dirty="0"/>
-              <a:t>Реализованы на языке </a:t>
-            </a:r>
-            <a:r>
-              <a:rPr lang="en-US" dirty="0"/>
-              <a:t>C++ </a:t>
-            </a:r>
-            <a:r>
-              <a:rPr lang="ru-RU" dirty="0"/>
-              <a:t>алгоритмы </a:t>
-            </a:r>
-            <a:r>
-              <a:rPr lang="en-US" dirty="0"/>
-              <a:t>AA-tree </a:t>
-            </a:r>
-            <a:r>
-              <a:rPr lang="ru-RU" dirty="0"/>
-              <a:t>и </a:t>
-            </a:r>
-            <a:r>
-              <a:rPr lang="en-US" dirty="0"/>
-              <a:t>Splay-tree</a:t>
-            </a:r>
-            <a:endParaRPr lang="ru-RU" dirty="0"/>
-          </a:p>
-          <a:p>
-            <a:pPr>
-              <a:lnSpc>
-                <a:spcPct val="100000"/>
-              </a:lnSpc>
-            </a:pPr>
-            <a:r>
-              <a:rPr lang="ru-RU" dirty="0"/>
-              <a:t>Алгоритмы протестированы на 38 тестах</a:t>
-            </a:r>
-            <a:endParaRPr lang="en-US" dirty="0"/>
-          </a:p>
-          <a:p>
-            <a:pPr>
-              <a:lnSpc>
-                <a:spcPct val="100000"/>
-              </a:lnSpc>
-            </a:pPr>
-            <a:r>
-              <a:rPr lang="ru-RU" dirty="0"/>
-              <a:t>Проведено сравнительное исследование производительности алгоритмов </a:t>
-            </a:r>
-            <a:r>
-              <a:rPr lang="en-US" dirty="0"/>
-              <a:t>AA-tree </a:t>
-            </a:r>
-            <a:r>
-              <a:rPr lang="ru-RU" dirty="0"/>
-              <a:t>и </a:t>
-            </a:r>
-            <a:r>
-              <a:rPr lang="en-US" dirty="0"/>
-              <a:t>Splay-tree</a:t>
-            </a:r>
-            <a:endParaRPr lang="ru-RU" dirty="0"/>
-          </a:p>
-          <a:p>
-            <a:pPr>
-              <a:lnSpc>
-                <a:spcPct val="100000"/>
-              </a:lnSpc>
-            </a:pPr>
-            <a:r>
-              <a:rPr lang="ru-RU" dirty="0"/>
-              <a:t>Результаты работы выложены на </a:t>
-            </a:r>
-            <a:r>
-              <a:rPr lang="en-US" dirty="0"/>
-              <a:t>GitHub (https://github.com/Koshkaallmaznaya</a:t>
-            </a:r>
-            <a:r>
-              <a:rPr lang="en-US"/>
-              <a:t>/algorithms-AA-tree-Splay-tree)</a:t>
-            </a:r>
-            <a:endParaRPr lang="ru-RU" dirty="0"/>
+              <a:t>Тестирование </a:t>
+            </a:r>
           </a:p>
         </p:txBody>
       </p:sp>
@@ -6601,7 +6419,7 @@
           <p:cNvPr id="6" name="Номер слайда 5">
             <a:extLst>
               <a:ext uri="{FF2B5EF4-FFF2-40B4-BE49-F238E27FC236}">
-                <a16:creationId xmlns:a16="http://schemas.microsoft.com/office/drawing/2014/main" id="{D059264E-917E-473B-9E7F-F0AD65A151AF}"/>
+                <a16:creationId xmlns:a16="http://schemas.microsoft.com/office/drawing/2014/main" id="{E6F0E293-38B3-4DC9-9231-283ADF155016}"/>
               </a:ext>
             </a:extLst>
           </p:cNvPr>
@@ -6620,6 +6438,319 @@
             <a:fld id="{6302724D-2B90-4847-89E2-C30FB64926F9}" type="slidenum">
               <a:rPr lang="ru-RU" sz="1600" smtClean="0"/>
               <a:t>14</a:t>
+            </a:fld>
+            <a:endParaRPr lang="ru-RU" dirty="0"/>
+          </a:p>
+        </p:txBody>
+      </p:sp>
+      <p:pic>
+        <p:nvPicPr>
+          <p:cNvPr id="8" name="Объект 7">
+            <a:extLst>
+              <a:ext uri="{FF2B5EF4-FFF2-40B4-BE49-F238E27FC236}">
+                <a16:creationId xmlns:a16="http://schemas.microsoft.com/office/drawing/2014/main" id="{31CE9B84-9CEA-4180-8541-58C5ED34C858}"/>
+              </a:ext>
+            </a:extLst>
+          </p:cNvPr>
+          <p:cNvPicPr>
+            <a:picLocks noGrp="1" noChangeAspect="1"/>
+          </p:cNvPicPr>
+          <p:nvPr>
+            <p:ph sz="half" idx="1"/>
+          </p:nvPr>
+        </p:nvPicPr>
+        <p:blipFill>
+          <a:blip r:embed="rId2"/>
+          <a:stretch>
+            <a:fillRect/>
+          </a:stretch>
+        </p:blipFill>
+        <p:spPr>
+          <a:xfrm>
+            <a:off x="1264454" y="1044373"/>
+            <a:ext cx="9387834" cy="5677102"/>
+          </a:xfrm>
+          <a:prstGeom prst="rect">
+            <a:avLst/>
+          </a:prstGeom>
+        </p:spPr>
+      </p:pic>
+    </p:spTree>
+    <p:extLst>
+      <p:ext uri="{BB962C8B-B14F-4D97-AF65-F5344CB8AC3E}">
+        <p14:creationId xmlns:p14="http://schemas.microsoft.com/office/powerpoint/2010/main" val="3798454189"/>
+      </p:ext>
+    </p:extLst>
+  </p:cSld>
+  <p:clrMapOvr>
+    <a:masterClrMapping/>
+  </p:clrMapOvr>
+</p:sld>
+</file>
+
+<file path=ppt/slides/slide15.xml><?xml version="1.0" encoding="utf-8"?>
+<p:sld xmlns:a="http://schemas.openxmlformats.org/drawingml/2006/main" xmlns:r="http://schemas.openxmlformats.org/officeDocument/2006/relationships" xmlns:p="http://schemas.openxmlformats.org/presentationml/2006/main">
+  <p:cSld>
+    <p:spTree>
+      <p:nvGrpSpPr>
+        <p:cNvPr id="1" name=""/>
+        <p:cNvGrpSpPr/>
+        <p:nvPr/>
+      </p:nvGrpSpPr>
+      <p:grpSpPr>
+        <a:xfrm>
+          <a:off x="0" y="0"/>
+          <a:ext cx="0" cy="0"/>
+          <a:chOff x="0" y="0"/>
+          <a:chExt cx="0" cy="0"/>
+        </a:xfrm>
+      </p:grpSpPr>
+      <p:pic>
+        <p:nvPicPr>
+          <p:cNvPr id="12" name="Объект 11">
+            <a:extLst>
+              <a:ext uri="{FF2B5EF4-FFF2-40B4-BE49-F238E27FC236}">
+                <a16:creationId xmlns:a16="http://schemas.microsoft.com/office/drawing/2014/main" id="{DAF8811F-E452-4AE8-83B0-1332AAD0DB64}"/>
+              </a:ext>
+            </a:extLst>
+          </p:cNvPr>
+          <p:cNvPicPr>
+            <a:picLocks noGrp="1" noChangeAspect="1"/>
+          </p:cNvPicPr>
+          <p:nvPr>
+            <p:ph sz="half" idx="2"/>
+          </p:nvPr>
+        </p:nvPicPr>
+        <p:blipFill>
+          <a:blip r:embed="rId2">
+            <a:extLst>
+              <a:ext uri="{28A0092B-C50C-407E-A947-70E740481C1C}">
+                <a14:useLocalDpi xmlns:a14="http://schemas.microsoft.com/office/drawing/2010/main" val="0"/>
+              </a:ext>
+            </a:extLst>
+          </a:blip>
+          <a:stretch>
+            <a:fillRect/>
+          </a:stretch>
+        </p:blipFill>
+        <p:spPr>
+          <a:xfrm>
+            <a:off x="150829" y="2658359"/>
+            <a:ext cx="6435060" cy="4021912"/>
+          </a:xfrm>
+          <a:prstGeom prst="ellipse">
+            <a:avLst/>
+          </a:prstGeom>
+          <a:ln>
+            <a:noFill/>
+          </a:ln>
+          <a:effectLst>
+            <a:softEdge rad="112500"/>
+          </a:effectLst>
+        </p:spPr>
+      </p:pic>
+      <p:sp>
+        <p:nvSpPr>
+          <p:cNvPr id="2" name="Заголовок 1">
+            <a:extLst>
+              <a:ext uri="{FF2B5EF4-FFF2-40B4-BE49-F238E27FC236}">
+                <a16:creationId xmlns:a16="http://schemas.microsoft.com/office/drawing/2014/main" id="{D1A853F7-A5B6-4366-8732-2BFB61A711D2}"/>
+              </a:ext>
+            </a:extLst>
+          </p:cNvPr>
+          <p:cNvSpPr>
+            <a:spLocks noGrp="1"/>
+          </p:cNvSpPr>
+          <p:nvPr>
+            <p:ph type="title"/>
+          </p:nvPr>
+        </p:nvSpPr>
+        <p:spPr>
+          <a:xfrm>
+            <a:off x="838200" y="123595"/>
+            <a:ext cx="10515600" cy="1114883"/>
+          </a:xfrm>
+        </p:spPr>
+        <p:txBody>
+          <a:bodyPr/>
+          <a:lstStyle/>
+          <a:p>
+            <a:r>
+              <a:rPr lang="ru-RU" dirty="0"/>
+              <a:t>Заключение</a:t>
+            </a:r>
+          </a:p>
+        </p:txBody>
+      </p:sp>
+      <p:sp>
+        <p:nvSpPr>
+          <p:cNvPr id="3" name="Объект 2">
+            <a:extLst>
+              <a:ext uri="{FF2B5EF4-FFF2-40B4-BE49-F238E27FC236}">
+                <a16:creationId xmlns:a16="http://schemas.microsoft.com/office/drawing/2014/main" id="{70D5C781-54B7-4B89-9606-AAEBE92509BA}"/>
+              </a:ext>
+            </a:extLst>
+          </p:cNvPr>
+          <p:cNvSpPr>
+            <a:spLocks noGrp="1"/>
+          </p:cNvSpPr>
+          <p:nvPr>
+            <p:ph sz="half" idx="1"/>
+          </p:nvPr>
+        </p:nvSpPr>
+        <p:spPr>
+          <a:xfrm>
+            <a:off x="3883843" y="863990"/>
+            <a:ext cx="8157329" cy="5621651"/>
+          </a:xfrm>
+        </p:spPr>
+        <p:txBody>
+          <a:bodyPr>
+            <a:normAutofit/>
+          </a:bodyPr>
+          <a:lstStyle/>
+          <a:p>
+            <a:pPr>
+              <a:lnSpc>
+                <a:spcPct val="100000"/>
+              </a:lnSpc>
+            </a:pPr>
+            <a:r>
+              <a:rPr lang="ru-RU" dirty="0"/>
+              <a:t>Изложены в форме научного доклада алгоритмы </a:t>
+            </a:r>
+            <a:r>
+              <a:rPr lang="en-US" dirty="0"/>
+              <a:t>AA-tree </a:t>
+            </a:r>
+            <a:r>
+              <a:rPr lang="ru-RU" dirty="0"/>
+              <a:t>и </a:t>
+            </a:r>
+            <a:r>
+              <a:rPr lang="en-US" dirty="0"/>
+              <a:t>Splay-tree</a:t>
+            </a:r>
+            <a:endParaRPr lang="ru-RU" dirty="0"/>
+          </a:p>
+          <a:p>
+            <a:pPr>
+              <a:lnSpc>
+                <a:spcPct val="100000"/>
+              </a:lnSpc>
+            </a:pPr>
+            <a:r>
+              <a:rPr lang="ru-RU" dirty="0"/>
+              <a:t>Реализованы на языке </a:t>
+            </a:r>
+            <a:r>
+              <a:rPr lang="en-US" dirty="0"/>
+              <a:t>C++ </a:t>
+            </a:r>
+            <a:r>
+              <a:rPr lang="ru-RU" dirty="0"/>
+              <a:t>алгоритмы </a:t>
+            </a:r>
+            <a:r>
+              <a:rPr lang="en-US" dirty="0"/>
+              <a:t>AA-tree </a:t>
+            </a:r>
+            <a:r>
+              <a:rPr lang="ru-RU" dirty="0"/>
+              <a:t>и </a:t>
+            </a:r>
+            <a:r>
+              <a:rPr lang="en-US" dirty="0"/>
+              <a:t>Splay-tree</a:t>
+            </a:r>
+            <a:endParaRPr lang="ru-RU" dirty="0"/>
+          </a:p>
+          <a:p>
+            <a:pPr>
+              <a:lnSpc>
+                <a:spcPct val="100000"/>
+              </a:lnSpc>
+            </a:pPr>
+            <a:r>
+              <a:rPr lang="ru-RU" dirty="0"/>
+              <a:t>Алгоритмы протестированы </a:t>
+            </a:r>
+            <a:r>
+              <a:rPr lang="ru-RU"/>
+              <a:t>на 46 </a:t>
+            </a:r>
+            <a:r>
+              <a:rPr lang="ru-RU" dirty="0"/>
+              <a:t>тестах</a:t>
+            </a:r>
+            <a:endParaRPr lang="en-US" dirty="0"/>
+          </a:p>
+          <a:p>
+            <a:pPr>
+              <a:lnSpc>
+                <a:spcPct val="100000"/>
+              </a:lnSpc>
+            </a:pPr>
+            <a:r>
+              <a:rPr lang="ru-RU" dirty="0"/>
+              <a:t>Проведено сравнительное исследование производительности алгоритмов </a:t>
+            </a:r>
+            <a:r>
+              <a:rPr lang="en-US" dirty="0"/>
+              <a:t>AA-tree </a:t>
+            </a:r>
+            <a:r>
+              <a:rPr lang="ru-RU" dirty="0"/>
+              <a:t>и </a:t>
+            </a:r>
+            <a:r>
+              <a:rPr lang="en-US" dirty="0"/>
+              <a:t>Splay-tree</a:t>
+            </a:r>
+            <a:endParaRPr lang="ru-RU" dirty="0"/>
+          </a:p>
+          <a:p>
+            <a:pPr>
+              <a:lnSpc>
+                <a:spcPct val="100000"/>
+              </a:lnSpc>
+            </a:pPr>
+            <a:r>
+              <a:rPr lang="ru-RU" dirty="0"/>
+              <a:t>Результаты работы выложены на </a:t>
+            </a:r>
+            <a:r>
+              <a:rPr lang="en-US" dirty="0"/>
+              <a:t>GitHub (https://github.com/Koshkaallmaznaya/algorithms-AA-tree-Splay-tree)</a:t>
+            </a:r>
+            <a:endParaRPr lang="ru-RU" dirty="0"/>
+          </a:p>
+        </p:txBody>
+      </p:sp>
+      <p:sp>
+        <p:nvSpPr>
+          <p:cNvPr id="6" name="Номер слайда 5">
+            <a:extLst>
+              <a:ext uri="{FF2B5EF4-FFF2-40B4-BE49-F238E27FC236}">
+                <a16:creationId xmlns:a16="http://schemas.microsoft.com/office/drawing/2014/main" id="{D059264E-917E-473B-9E7F-F0AD65A151AF}"/>
+              </a:ext>
+            </a:extLst>
+          </p:cNvPr>
+          <p:cNvSpPr>
+            <a:spLocks noGrp="1"/>
+          </p:cNvSpPr>
+          <p:nvPr>
+            <p:ph type="sldNum" sz="quarter" idx="12"/>
+          </p:nvPr>
+        </p:nvSpPr>
+        <p:spPr/>
+        <p:txBody>
+          <a:bodyPr/>
+          <a:lstStyle/>
+          <a:p>
+            <a:fld id="{6302724D-2B90-4847-89E2-C30FB64926F9}" type="slidenum">
+              <a:rPr lang="ru-RU" sz="1600" smtClean="0"/>
+              <a:t>15</a:t>
             </a:fld>
             <a:endParaRPr lang="ru-RU" dirty="0"/>
           </a:p>
